--- a/03-11-21_Meeting.pptx
+++ b/03-11-21_Meeting.pptx
@@ -209,7 +209,7 @@
           <a:p>
             <a:fld id="{1C752C55-AC90-49B3-A8E7-79F0E9CD09D0}" type="datetimeFigureOut">
               <a:rPr lang="zh-CN" altLang="en-US" smtClean="0"/>
-              <a:t>2021/3/11</a:t>
+              <a:t>2021/3/12</a:t>
             </a:fld>
             <a:endParaRPr lang="zh-CN" altLang="en-US"/>
           </a:p>
@@ -707,7 +707,7 @@
           <a:p>
             <a:fld id="{7473E25A-CDF2-4D66-AF33-52E3984607EF}" type="datetimeFigureOut">
               <a:rPr lang="zh-CN" altLang="en-US" smtClean="0"/>
-              <a:t>2021/3/11</a:t>
+              <a:t>2021/3/12</a:t>
             </a:fld>
             <a:endParaRPr lang="zh-CN" altLang="en-US"/>
           </a:p>
@@ -905,7 +905,7 @@
           <a:p>
             <a:fld id="{7473E25A-CDF2-4D66-AF33-52E3984607EF}" type="datetimeFigureOut">
               <a:rPr lang="zh-CN" altLang="en-US" smtClean="0"/>
-              <a:t>2021/3/11</a:t>
+              <a:t>2021/3/12</a:t>
             </a:fld>
             <a:endParaRPr lang="zh-CN" altLang="en-US"/>
           </a:p>
@@ -1113,7 +1113,7 @@
           <a:p>
             <a:fld id="{7473E25A-CDF2-4D66-AF33-52E3984607EF}" type="datetimeFigureOut">
               <a:rPr lang="zh-CN" altLang="en-US" smtClean="0"/>
-              <a:t>2021/3/11</a:t>
+              <a:t>2021/3/12</a:t>
             </a:fld>
             <a:endParaRPr lang="zh-CN" altLang="en-US"/>
           </a:p>
@@ -1311,7 +1311,7 @@
           <a:p>
             <a:fld id="{7473E25A-CDF2-4D66-AF33-52E3984607EF}" type="datetimeFigureOut">
               <a:rPr lang="zh-CN" altLang="en-US" smtClean="0"/>
-              <a:t>2021/3/11</a:t>
+              <a:t>2021/3/12</a:t>
             </a:fld>
             <a:endParaRPr lang="zh-CN" altLang="en-US"/>
           </a:p>
@@ -1586,7 +1586,7 @@
           <a:p>
             <a:fld id="{7473E25A-CDF2-4D66-AF33-52E3984607EF}" type="datetimeFigureOut">
               <a:rPr lang="zh-CN" altLang="en-US" smtClean="0"/>
-              <a:t>2021/3/11</a:t>
+              <a:t>2021/3/12</a:t>
             </a:fld>
             <a:endParaRPr lang="zh-CN" altLang="en-US"/>
           </a:p>
@@ -1851,7 +1851,7 @@
           <a:p>
             <a:fld id="{7473E25A-CDF2-4D66-AF33-52E3984607EF}" type="datetimeFigureOut">
               <a:rPr lang="zh-CN" altLang="en-US" smtClean="0"/>
-              <a:t>2021/3/11</a:t>
+              <a:t>2021/3/12</a:t>
             </a:fld>
             <a:endParaRPr lang="zh-CN" altLang="en-US"/>
           </a:p>
@@ -2263,7 +2263,7 @@
           <a:p>
             <a:fld id="{7473E25A-CDF2-4D66-AF33-52E3984607EF}" type="datetimeFigureOut">
               <a:rPr lang="zh-CN" altLang="en-US" smtClean="0"/>
-              <a:t>2021/3/11</a:t>
+              <a:t>2021/3/12</a:t>
             </a:fld>
             <a:endParaRPr lang="zh-CN" altLang="en-US"/>
           </a:p>
@@ -2404,7 +2404,7 @@
           <a:p>
             <a:fld id="{7473E25A-CDF2-4D66-AF33-52E3984607EF}" type="datetimeFigureOut">
               <a:rPr lang="zh-CN" altLang="en-US" smtClean="0"/>
-              <a:t>2021/3/11</a:t>
+              <a:t>2021/3/12</a:t>
             </a:fld>
             <a:endParaRPr lang="zh-CN" altLang="en-US"/>
           </a:p>
@@ -2517,7 +2517,7 @@
           <a:p>
             <a:fld id="{7473E25A-CDF2-4D66-AF33-52E3984607EF}" type="datetimeFigureOut">
               <a:rPr lang="zh-CN" altLang="en-US" smtClean="0"/>
-              <a:t>2021/3/11</a:t>
+              <a:t>2021/3/12</a:t>
             </a:fld>
             <a:endParaRPr lang="zh-CN" altLang="en-US"/>
           </a:p>
@@ -2828,7 +2828,7 @@
           <a:p>
             <a:fld id="{7473E25A-CDF2-4D66-AF33-52E3984607EF}" type="datetimeFigureOut">
               <a:rPr lang="zh-CN" altLang="en-US" smtClean="0"/>
-              <a:t>2021/3/11</a:t>
+              <a:t>2021/3/12</a:t>
             </a:fld>
             <a:endParaRPr lang="zh-CN" altLang="en-US"/>
           </a:p>
@@ -3116,7 +3116,7 @@
           <a:p>
             <a:fld id="{7473E25A-CDF2-4D66-AF33-52E3984607EF}" type="datetimeFigureOut">
               <a:rPr lang="zh-CN" altLang="en-US" smtClean="0"/>
-              <a:t>2021/3/11</a:t>
+              <a:t>2021/3/12</a:t>
             </a:fld>
             <a:endParaRPr lang="zh-CN" altLang="en-US"/>
           </a:p>
@@ -3357,7 +3357,7 @@
           <a:p>
             <a:fld id="{7473E25A-CDF2-4D66-AF33-52E3984607EF}" type="datetimeFigureOut">
               <a:rPr lang="zh-CN" altLang="en-US" smtClean="0"/>
-              <a:t>2021/3/11</a:t>
+              <a:t>2021/3/12</a:t>
             </a:fld>
             <a:endParaRPr lang="zh-CN" altLang="en-US"/>
           </a:p>
